--- a/Web Online Course.pptx
+++ b/Web Online Course.pptx
@@ -272,7 +272,7 @@
       </p15:sldGuideLst>
     </p:ext>
     <p:ext uri="http://customooxmlschemas.google.com/">
-      <go:slidesCustomData xmlns="" xmlns:mc="http://schemas.openxmlformats.org/markup-compatibility/2006" xmlns:mv="urn:schemas-microsoft-com:mac:vml" xmlns:c="http://schemas.openxmlformats.org/drawingml/2006/chart" xmlns:dgm="http://schemas.openxmlformats.org/drawingml/2006/diagram" xmlns:o="urn:schemas-microsoft-com:office:office" xmlns:v="urn:schemas-microsoft-com:vml" xmlns:pvml="urn:schemas-microsoft-com:office:powerpoint" xmlns:com="http://schemas.openxmlformats.org/drawingml/2006/compatibility" xmlns:p14="http://schemas.microsoft.com/office/powerpoint/2010/main" xmlns:p15="http://schemas.microsoft.com/office/powerpoint/2012/main" xmlns:ahyp="http://schemas.microsoft.com/office/drawing/2018/hyperlinkcolor" xmlns:go="http://customooxmlschemas.google.com/" r:id="rId33" roundtripDataSignature="AMtx7miPVZM4gw1bCkdzOTGjZixB9JjBzw=="/>
+      <go:slidesCustomData xmlns:go="http://customooxmlschemas.google.com/" xmlns:ahyp="http://schemas.microsoft.com/office/drawing/2018/hyperlinkcolor" xmlns:p15="http://schemas.microsoft.com/office/powerpoint/2012/main" xmlns:p14="http://schemas.microsoft.com/office/powerpoint/2010/main" xmlns:com="http://schemas.openxmlformats.org/drawingml/2006/compatibility" xmlns:pvml="urn:schemas-microsoft-com:office:powerpoint" xmlns:v="urn:schemas-microsoft-com:vml" xmlns:o="urn:schemas-microsoft-com:office:office" xmlns:dgm="http://schemas.openxmlformats.org/drawingml/2006/diagram" xmlns:c="http://schemas.openxmlformats.org/drawingml/2006/chart" xmlns:mv="urn:schemas-microsoft-com:mac:vml" xmlns:mc="http://schemas.openxmlformats.org/markup-compatibility/2006" xmlns="" r:id="rId33" roundtripDataSignature="AMtx7miPVZM4gw1bCkdzOTGjZixB9JjBzw=="/>
     </p:ext>
   </p:extLst>
 </p:presentation>
@@ -17129,7 +17129,7 @@
           <a:p>
             <a:fld id="{FCAE6716-831F-42FB-BA56-9B4CC5A70ED2}" type="datetimeFigureOut">
               <a:rPr lang="en-US" smtClean="0"/>
-              <a:t>4/24/2023</a:t>
+              <a:t>4/27/2023</a:t>
             </a:fld>
             <a:endParaRPr lang="en-US"/>
           </a:p>
@@ -17297,7 +17297,7 @@
           <a:p>
             <a:fld id="{FCAE6716-831F-42FB-BA56-9B4CC5A70ED2}" type="datetimeFigureOut">
               <a:rPr lang="en-US" smtClean="0"/>
-              <a:t>4/24/2023</a:t>
+              <a:t>4/27/2023</a:t>
             </a:fld>
             <a:endParaRPr lang="en-US"/>
           </a:p>
@@ -17542,7 +17542,7 @@
           <a:p>
             <a:fld id="{FCAE6716-831F-42FB-BA56-9B4CC5A70ED2}" type="datetimeFigureOut">
               <a:rPr lang="en-US" smtClean="0"/>
-              <a:t>4/24/2023</a:t>
+              <a:t>4/27/2023</a:t>
             </a:fld>
             <a:endParaRPr lang="en-US"/>
           </a:p>
@@ -17771,7 +17771,7 @@
           <a:p>
             <a:fld id="{FCAE6716-831F-42FB-BA56-9B4CC5A70ED2}" type="datetimeFigureOut">
               <a:rPr lang="en-US" smtClean="0"/>
-              <a:t>4/24/2023</a:t>
+              <a:t>4/27/2023</a:t>
             </a:fld>
             <a:endParaRPr lang="en-US"/>
           </a:p>
@@ -18135,7 +18135,7 @@
           <a:p>
             <a:fld id="{FCAE6716-831F-42FB-BA56-9B4CC5A70ED2}" type="datetimeFigureOut">
               <a:rPr lang="en-US" smtClean="0"/>
-              <a:t>4/24/2023</a:t>
+              <a:t>4/27/2023</a:t>
             </a:fld>
             <a:endParaRPr lang="en-US"/>
           </a:p>
@@ -18252,7 +18252,7 @@
           <a:p>
             <a:fld id="{FCAE6716-831F-42FB-BA56-9B4CC5A70ED2}" type="datetimeFigureOut">
               <a:rPr lang="en-US" smtClean="0"/>
-              <a:t>4/24/2023</a:t>
+              <a:t>4/27/2023</a:t>
             </a:fld>
             <a:endParaRPr lang="en-US"/>
           </a:p>
@@ -18347,7 +18347,7 @@
           <a:p>
             <a:fld id="{FCAE6716-831F-42FB-BA56-9B4CC5A70ED2}" type="datetimeFigureOut">
               <a:rPr lang="en-US" smtClean="0"/>
-              <a:t>4/24/2023</a:t>
+              <a:t>4/27/2023</a:t>
             </a:fld>
             <a:endParaRPr lang="en-US"/>
           </a:p>
@@ -18622,7 +18622,7 @@
           <a:p>
             <a:fld id="{FCAE6716-831F-42FB-BA56-9B4CC5A70ED2}" type="datetimeFigureOut">
               <a:rPr lang="en-US" smtClean="0"/>
-              <a:t>4/24/2023</a:t>
+              <a:t>4/27/2023</a:t>
             </a:fld>
             <a:endParaRPr lang="en-US"/>
           </a:p>
@@ -19288,7 +19288,7 @@
           <a:p>
             <a:fld id="{FCAE6716-831F-42FB-BA56-9B4CC5A70ED2}" type="datetimeFigureOut">
               <a:rPr lang="en-US" smtClean="0"/>
-              <a:t>4/24/2023</a:t>
+              <a:t>4/27/2023</a:t>
             </a:fld>
             <a:endParaRPr lang="en-US"/>
           </a:p>
@@ -19456,7 +19456,7 @@
           <a:p>
             <a:fld id="{FCAE6716-831F-42FB-BA56-9B4CC5A70ED2}" type="datetimeFigureOut">
               <a:rPr lang="en-US" smtClean="0"/>
-              <a:t>4/24/2023</a:t>
+              <a:t>4/27/2023</a:t>
             </a:fld>
             <a:endParaRPr lang="en-US"/>
           </a:p>
@@ -19634,7 +19634,7 @@
           <a:p>
             <a:fld id="{FCAE6716-831F-42FB-BA56-9B4CC5A70ED2}" type="datetimeFigureOut">
               <a:rPr lang="en-US" smtClean="0"/>
-              <a:t>4/24/2023</a:t>
+              <a:t>4/27/2023</a:t>
             </a:fld>
             <a:endParaRPr lang="en-US"/>
           </a:p>
@@ -23980,7 +23980,7 @@
           <a:p>
             <a:fld id="{FCAE6716-831F-42FB-BA56-9B4CC5A70ED2}" type="datetimeFigureOut">
               <a:rPr lang="en-US" smtClean="0"/>
-              <a:t>4/24/2023</a:t>
+              <a:t>4/27/2023</a:t>
             </a:fld>
             <a:endParaRPr lang="en-US"/>
           </a:p>
@@ -24460,7 +24460,7 @@
           <a:p>
             <a:r>
               <a:rPr lang="en-US" dirty="0"/>
-              <a:t>12</a:t>
+              <a:t>27</a:t>
             </a:r>
             <a:r>
               <a:rPr lang="en-US" baseline="30000" dirty="0"/>
@@ -24468,7 +24468,7 @@
             </a:r>
             <a:r>
               <a:rPr lang="en-US" dirty="0"/>
-              <a:t> Jul 2022</a:t>
+              <a:t> April 2022</a:t>
             </a:r>
           </a:p>
           <a:p>
@@ -24640,7 +24640,7 @@
                 <a16:creationId xmlns:a16="http://schemas.microsoft.com/office/drawing/2014/main" id="{963552EF-8119-AC77-1B22-9175531F0B7E}"/>
               </a:ext>
               <a:ext uri="{9B37D1DE-C5C8-4032-98C1-C66A355DB7D3}">
-                <a16:creationId xmlns:a16="http://schemas.microsoft.com/office/drawing/2010/main" xmlns:vt="http://schemas.openxmlformats.org/officeDocument/2006/docPropsVTypes" xmlns:ns1="http://schemas.openxmlformats.org/officeDocument/2006/extended-properties" xmlns:cs="http://schemas.microsoft.com/office/drawing/2012/chartStyle" xmlns:c="http://schemas.openxmlformats.org/drawingml/2006/chart" xmlns="" id="{CDD6AC69-A271-427A-B646-472AACE7F33B}"/>
+                <a16:creationId xmlns="" xmlns:c="http://schemas.openxmlformats.org/drawingml/2006/chart" xmlns:cs="http://schemas.microsoft.com/office/drawing/2012/chartStyle" xmlns:ns1="http://schemas.openxmlformats.org/officeDocument/2006/extended-properties" xmlns:vt="http://schemas.openxmlformats.org/officeDocument/2006/docPropsVTypes" xmlns:a16="http://schemas.microsoft.com/office/drawing/2010/main" id="{CDD6AC69-A271-427A-B646-472AACE7F33B}"/>
               </a:ext>
             </a:extLst>
           </p:cNvPr>
@@ -24835,7 +24835,7 @@
                 <a16:creationId xmlns:a16="http://schemas.microsoft.com/office/drawing/2014/main" id="{E33ECB8E-5968-C5A6-B0AC-3462A4D9B64A}"/>
               </a:ext>
               <a:ext uri="{168554C8-AEAB-4469-9687-2A153F08B06E}">
-                <a16:creationId xmlns:a16="http://schemas.microsoft.com/office/drawing/2010/main" xmlns:vt="http://schemas.openxmlformats.org/officeDocument/2006/docPropsVTypes" xmlns:ns1="http://schemas.openxmlformats.org/officeDocument/2006/extended-properties" xmlns:cs="http://schemas.microsoft.com/office/drawing/2012/chartStyle" xmlns:c="http://schemas.openxmlformats.org/drawingml/2006/chart" xmlns="" id="{80D1DC78-6085-4D87-A9E0-BAE5BA255A14}"/>
+                <a16:creationId xmlns="" xmlns:c="http://schemas.openxmlformats.org/drawingml/2006/chart" xmlns:cs="http://schemas.microsoft.com/office/drawing/2012/chartStyle" xmlns:ns1="http://schemas.openxmlformats.org/officeDocument/2006/extended-properties" xmlns:vt="http://schemas.openxmlformats.org/officeDocument/2006/docPropsVTypes" xmlns:a16="http://schemas.microsoft.com/office/drawing/2010/main" id="{80D1DC78-6085-4D87-A9E0-BAE5BA255A14}"/>
               </a:ext>
             </a:extLst>
           </p:cNvPr>
@@ -28418,7 +28418,7 @@
                 <a16:creationId xmlns:a16="http://schemas.microsoft.com/office/drawing/2014/main" id="{1A7FA660-83C7-DFD4-365F-714AC29C3D58}"/>
               </a:ext>
               <a:ext uri="{760B6F12-5D1B-4D04-BB75-4BF67FFF76FE}">
-                <a16:creationId xmlns:a16="http://schemas.microsoft.com/office/drawing/2010/main" xmlns:vt="http://schemas.openxmlformats.org/officeDocument/2006/docPropsVTypes" xmlns:ns1="http://schemas.openxmlformats.org/officeDocument/2006/extended-properties" xmlns:cs="http://schemas.microsoft.com/office/drawing/2012/chartStyle" xmlns:c="http://schemas.openxmlformats.org/drawingml/2006/chart" xmlns="" id="{05BDA509-E352-4449-9A28-654EE7204E7B}"/>
+                <a16:creationId xmlns="" xmlns:c="http://schemas.openxmlformats.org/drawingml/2006/chart" xmlns:cs="http://schemas.microsoft.com/office/drawing/2012/chartStyle" xmlns:ns1="http://schemas.openxmlformats.org/officeDocument/2006/extended-properties" xmlns:vt="http://schemas.openxmlformats.org/officeDocument/2006/docPropsVTypes" xmlns:a16="http://schemas.microsoft.com/office/drawing/2010/main" id="{05BDA509-E352-4449-9A28-654EE7204E7B}"/>
               </a:ext>
             </a:extLst>
           </p:cNvPr>
@@ -28452,7 +28452,7 @@
                 <a16:creationId xmlns:a16="http://schemas.microsoft.com/office/drawing/2014/main" id="{CFBD44E3-7E93-D6D0-69DD-1A2E475587FB}"/>
               </a:ext>
               <a:ext uri="{B8434562-EA61-457D-9442-CC07598C430B}">
-                <a16:creationId xmlns:a16="http://schemas.microsoft.com/office/drawing/2010/main" xmlns:vt="http://schemas.openxmlformats.org/officeDocument/2006/docPropsVTypes" xmlns:ns1="http://schemas.openxmlformats.org/officeDocument/2006/extended-properties" xmlns:cs="http://schemas.microsoft.com/office/drawing/2012/chartStyle" xmlns:c="http://schemas.openxmlformats.org/drawingml/2006/chart" xmlns="" id="{B2AD8011-7671-4A37-A952-BFFD4D3BBD03}"/>
+                <a16:creationId xmlns="" xmlns:c="http://schemas.openxmlformats.org/drawingml/2006/chart" xmlns:cs="http://schemas.microsoft.com/office/drawing/2012/chartStyle" xmlns:ns1="http://schemas.openxmlformats.org/officeDocument/2006/extended-properties" xmlns:vt="http://schemas.openxmlformats.org/officeDocument/2006/docPropsVTypes" xmlns:a16="http://schemas.microsoft.com/office/drawing/2010/main" id="{B2AD8011-7671-4A37-A952-BFFD4D3BBD03}"/>
               </a:ext>
             </a:extLst>
           </p:cNvPr>
@@ -29080,7 +29080,7 @@
                 <a16:creationId xmlns:a16="http://schemas.microsoft.com/office/drawing/2014/main" id="{28840A18-F474-78B9-4F8B-C4AF84293962}"/>
               </a:ext>
               <a:ext uri="{7586C570-BC93-4FF9-BD46-67C7C69E07F9}">
-                <a16:creationId xmlns:a16="http://schemas.microsoft.com/office/drawing/2010/main" xmlns:vt="http://schemas.openxmlformats.org/officeDocument/2006/docPropsVTypes" xmlns:ns1="http://schemas.openxmlformats.org/officeDocument/2006/extended-properties" xmlns:cs="http://schemas.microsoft.com/office/drawing/2012/chartStyle" xmlns:c="http://schemas.openxmlformats.org/drawingml/2006/chart" xmlns="" id="{FE2B3642-B563-4727-A5F7-84C33AA58FA1}"/>
+                <a16:creationId xmlns="" xmlns:c="http://schemas.openxmlformats.org/drawingml/2006/chart" xmlns:cs="http://schemas.microsoft.com/office/drawing/2012/chartStyle" xmlns:ns1="http://schemas.openxmlformats.org/officeDocument/2006/extended-properties" xmlns:vt="http://schemas.openxmlformats.org/officeDocument/2006/docPropsVTypes" xmlns:a16="http://schemas.microsoft.com/office/drawing/2010/main" id="{FE2B3642-B563-4727-A5F7-84C33AA58FA1}"/>
               </a:ext>
             </a:extLst>
           </p:cNvPr>
@@ -30964,7 +30964,7 @@
                 <a16:creationId xmlns:a16="http://schemas.microsoft.com/office/drawing/2014/main" id="{646EE651-D4C8-E392-2B23-D3429A1B8687}"/>
               </a:ext>
               <a:ext uri="{E73F8566-DB32-4B84-A9F0-5E9368E3098E}">
-                <a16:creationId xmlns:a16="http://schemas.microsoft.com/office/drawing/2010/main" xmlns:vt="http://schemas.openxmlformats.org/officeDocument/2006/docPropsVTypes" xmlns:ns1="http://schemas.openxmlformats.org/officeDocument/2006/extended-properties" xmlns:cs="http://schemas.microsoft.com/office/drawing/2012/chartStyle" xmlns:c="http://schemas.openxmlformats.org/drawingml/2006/chart" xmlns="" id="{970E3C4B-F483-4306-A662-F61F27A3A79A}"/>
+                <a16:creationId xmlns="" xmlns:c="http://schemas.openxmlformats.org/drawingml/2006/chart" xmlns:cs="http://schemas.microsoft.com/office/drawing/2012/chartStyle" xmlns:ns1="http://schemas.openxmlformats.org/officeDocument/2006/extended-properties" xmlns:vt="http://schemas.openxmlformats.org/officeDocument/2006/docPropsVTypes" xmlns:a16="http://schemas.microsoft.com/office/drawing/2010/main" id="{970E3C4B-F483-4306-A662-F61F27A3A79A}"/>
               </a:ext>
             </a:extLst>
           </p:cNvPr>
